--- a/zkdoc/styleguide/style guide - robbie.pptx
+++ b/zkdoc/styleguide/style guide - robbie.pptx
@@ -5,10 +5,11 @@
     <p:sldMasterId id="2147483648" r:id="rId1"/>
   </p:sldMasterIdLst>
   <p:notesMasterIdLst>
-    <p:notesMasterId r:id="rId3"/>
+    <p:notesMasterId r:id="rId4"/>
   </p:notesMasterIdLst>
   <p:sldIdLst>
     <p:sldId id="256" r:id="rId2"/>
+    <p:sldId id="257" r:id="rId3"/>
   </p:sldIdLst>
   <p:sldSz cx="9144000" cy="6858000" type="screen4x3"/>
   <p:notesSz cx="6858000" cy="9144000"/>
@@ -193,7 +194,7 @@
             <a:fld id="{C90B346D-464A-4AED-AAEB-F9A1DEC59BF3}" type="datetimeFigureOut">
               <a:rPr lang="zh-TW" altLang="en-US" smtClean="0"/>
               <a:pPr/>
-              <a:t>2008/1/10</a:t>
+              <a:t>2008/2/15</a:t>
             </a:fld>
             <a:endParaRPr lang="zh-TW" altLang="en-US"/>
           </a:p>
@@ -541,11 +542,119 @@
             </a:r>
             <a:r>
               <a:rPr lang="en-US" altLang="zh-TW" dirty="0" smtClean="0"/>
-              <a:t>, </a:t>
+              <a:t>, span.bandbox {</a:t>
+            </a:r>
+          </a:p>
+          <a:p>
+            <a:r>
+              <a:rPr lang="en-US" altLang="zh-TW" dirty="0" smtClean="0"/>
+              <a:t>	border: 0; padding: 0; margin: 0; white-space: </a:t>
             </a:r>
             <a:r>
               <a:rPr lang="en-US" altLang="zh-TW" dirty="0" err="1" smtClean="0"/>
-              <a:t>span.bandbox</a:t>
+              <a:t>nowrap</a:t>
+            </a:r>
+            <a:r>
+              <a:rPr lang="en-US" altLang="zh-TW" dirty="0" smtClean="0"/>
+              <a:t>;</a:t>
+            </a:r>
+          </a:p>
+          <a:p>
+            <a:r>
+              <a:rPr lang="en-US" altLang="zh-TW" dirty="0" smtClean="0"/>
+              <a:t>}</a:t>
+            </a:r>
+          </a:p>
+          <a:p>
+            <a:r>
+              <a:rPr lang="en-US" altLang="zh-TW" dirty="0" err="1" smtClean="0"/>
+              <a:t>span.rbtnbk</a:t>
+            </a:r>
+            <a:r>
+              <a:rPr lang="en-US" altLang="zh-TW" dirty="0" smtClean="0"/>
+              <a:t> {&lt;%-- button at the right edge --%&gt;</a:t>
+            </a:r>
+          </a:p>
+          <a:p>
+            <a:r>
+              <a:rPr lang="en-US" altLang="zh-TW" dirty="0" smtClean="0"/>
+              <a:t>	background-image: </a:t>
+            </a:r>
+            <a:r>
+              <a:rPr lang="en-US" altLang="zh-TW" dirty="0" err="1" smtClean="0"/>
+              <a:t>url</a:t>
+            </a:r>
+            <a:r>
+              <a:rPr lang="en-US" altLang="zh-TW" dirty="0" smtClean="0"/>
+              <a:t>(${c:encodeURL('~./</a:t>
+            </a:r>
+            <a:r>
+              <a:rPr lang="en-US" altLang="zh-TW" dirty="0" err="1" smtClean="0"/>
+              <a:t>zul</a:t>
+            </a:r>
+            <a:r>
+              <a:rPr lang="en-US" altLang="zh-TW" dirty="0" smtClean="0"/>
+              <a:t>/</a:t>
+            </a:r>
+            <a:r>
+              <a:rPr lang="en-US" altLang="zh-TW" dirty="0" err="1" smtClean="0"/>
+              <a:t>img</a:t>
+            </a:r>
+            <a:r>
+              <a:rPr lang="en-US" altLang="zh-TW" dirty="0" smtClean="0"/>
+              <a:t>/btnbk.gif')}); background-repeat: no-repeat;</a:t>
+            </a:r>
+          </a:p>
+          <a:p>
+            <a:r>
+              <a:rPr lang="en-US" altLang="zh-TW" dirty="0" smtClean="0"/>
+              <a:t>	border: 1px solid #7f9db9; border-left: none;</a:t>
+            </a:r>
+          </a:p>
+          <a:p>
+            <a:r>
+              <a:rPr lang="en-US" altLang="zh-TW" dirty="0" smtClean="0"/>
+              <a:t>}</a:t>
+            </a:r>
+          </a:p>
+          <a:p>
+            <a:r>
+              <a:rPr lang="en-US" altLang="zh-TW" dirty="0" err="1" smtClean="0"/>
+              <a:t>div.comboboxpp</a:t>
+            </a:r>
+            <a:r>
+              <a:rPr lang="en-US" altLang="zh-TW" dirty="0" smtClean="0"/>
+              <a:t>, div.bandboxpp {&lt;%--hardcoded in DSP--%&gt;</a:t>
+            </a:r>
+          </a:p>
+          <a:p>
+            <a:r>
+              <a:rPr lang="en-US" altLang="zh-TW" dirty="0" smtClean="0"/>
+              <a:t>	display: block; position: absolute; z-index: 88000;</a:t>
+            </a:r>
+          </a:p>
+          <a:p>
+            <a:r>
+              <a:rPr lang="en-US" altLang="zh-TW" dirty="0" smtClean="0"/>
+              <a:t>	background: white; border: 1px solid black; padding: 2px;</a:t>
+            </a:r>
+          </a:p>
+          <a:p>
+            <a:r>
+              <a:rPr lang="en-US" altLang="zh-TW" dirty="0" smtClean="0"/>
+              <a:t>	font-size: x-small;</a:t>
+            </a:r>
+          </a:p>
+          <a:p>
+            <a:r>
+              <a:rPr lang="en-US" altLang="zh-TW" dirty="0" smtClean="0"/>
+              <a:t>}</a:t>
+            </a:r>
+          </a:p>
+          <a:p>
+            <a:r>
+              <a:rPr lang="en-US" altLang="zh-TW" dirty="0" err="1" smtClean="0"/>
+              <a:t>div.comboboxpp</a:t>
             </a:r>
             <a:r>
               <a:rPr lang="en-US" altLang="zh-TW" dirty="0" smtClean="0"/>
@@ -555,7 +664,49 @@
           <a:p>
             <a:r>
               <a:rPr lang="en-US" altLang="zh-TW" dirty="0" smtClean="0"/>
-              <a:t>	border: 0; padding: 0; margin: 0; white-space: </a:t>
+              <a:t>	overflow: auto; &lt;%-- if </a:t>
+            </a:r>
+            <a:r>
+              <a:rPr lang="en-US" altLang="zh-TW" dirty="0" err="1" smtClean="0"/>
+              <a:t>bandboxpp</a:t>
+            </a:r>
+            <a:r>
+              <a:rPr lang="en-US" altLang="zh-TW" dirty="0" smtClean="0"/>
+              <a:t> </a:t>
+            </a:r>
+            <a:r>
+              <a:rPr lang="en-US" altLang="zh-TW" dirty="0" err="1" smtClean="0"/>
+              <a:t>overflow:auto</a:t>
+            </a:r>
+            <a:r>
+              <a:rPr lang="en-US" altLang="zh-TW" dirty="0" smtClean="0"/>
+              <a:t>, crop popup if any --%&gt;</a:t>
+            </a:r>
+          </a:p>
+          <a:p>
+            <a:r>
+              <a:rPr lang="en-US" altLang="zh-TW" dirty="0" smtClean="0"/>
+              <a:t>}</a:t>
+            </a:r>
+          </a:p>
+          <a:p>
+            <a:r>
+              <a:rPr lang="en-US" altLang="zh-TW" dirty="0" smtClean="0"/>
+              <a:t>.</a:t>
+            </a:r>
+            <a:r>
+              <a:rPr lang="en-US" altLang="zh-TW" dirty="0" err="1" smtClean="0"/>
+              <a:t>comboboxpp</a:t>
+            </a:r>
+            <a:r>
+              <a:rPr lang="en-US" altLang="zh-TW" dirty="0" smtClean="0"/>
+              <a:t> td {&lt;%--label--%&gt;</a:t>
+            </a:r>
+          </a:p>
+          <a:p>
+            <a:r>
+              <a:rPr lang="en-US" altLang="zh-TW" dirty="0" smtClean="0"/>
+              <a:t>	white-space: </a:t>
             </a:r>
             <a:r>
               <a:rPr lang="en-US" altLang="zh-TW" dirty="0" err="1" smtClean="0"/>
@@ -563,7 +714,7 @@
             </a:r>
             <a:r>
               <a:rPr lang="en-US" altLang="zh-TW" dirty="0" smtClean="0"/>
-              <a:t>;</a:t>
+              <a:t>; font-size: x-small; cursor: pointer;</a:t>
             </a:r>
           </a:p>
           <a:p>
@@ -574,138 +725,6 @@
           </a:p>
           <a:p>
             <a:r>
-              <a:rPr lang="en-US" altLang="zh-TW" dirty="0" err="1" smtClean="0"/>
-              <a:t>span.rbtnbk</a:t>
-            </a:r>
-            <a:r>
-              <a:rPr lang="en-US" altLang="zh-TW" dirty="0" smtClean="0"/>
-              <a:t> {&lt;%-- button at the right edge --%&gt;</a:t>
-            </a:r>
-          </a:p>
-          <a:p>
-            <a:r>
-              <a:rPr lang="en-US" altLang="zh-TW" dirty="0" smtClean="0"/>
-              <a:t>	background-image: </a:t>
-            </a:r>
-            <a:r>
-              <a:rPr lang="en-US" altLang="zh-TW" dirty="0" err="1" smtClean="0"/>
-              <a:t>url</a:t>
-            </a:r>
-            <a:r>
-              <a:rPr lang="en-US" altLang="zh-TW" dirty="0" smtClean="0"/>
-              <a:t>(${c:encodeURL('~./</a:t>
-            </a:r>
-            <a:r>
-              <a:rPr lang="en-US" altLang="zh-TW" dirty="0" err="1" smtClean="0"/>
-              <a:t>zul</a:t>
-            </a:r>
-            <a:r>
-              <a:rPr lang="en-US" altLang="zh-TW" dirty="0" smtClean="0"/>
-              <a:t>/</a:t>
-            </a:r>
-            <a:r>
-              <a:rPr lang="en-US" altLang="zh-TW" dirty="0" err="1" smtClean="0"/>
-              <a:t>img</a:t>
-            </a:r>
-            <a:r>
-              <a:rPr lang="en-US" altLang="zh-TW" dirty="0" smtClean="0"/>
-              <a:t>/btnbk.gif')}); background-repeat: no-repeat;</a:t>
-            </a:r>
-          </a:p>
-          <a:p>
-            <a:r>
-              <a:rPr lang="en-US" altLang="zh-TW" dirty="0" smtClean="0"/>
-              <a:t>	border: 1px solid #7f9db9; border-left: none;</a:t>
-            </a:r>
-          </a:p>
-          <a:p>
-            <a:r>
-              <a:rPr lang="en-US" altLang="zh-TW" dirty="0" smtClean="0"/>
-              <a:t>}</a:t>
-            </a:r>
-          </a:p>
-          <a:p>
-            <a:r>
-              <a:rPr lang="en-US" altLang="zh-TW" dirty="0" err="1" smtClean="0"/>
-              <a:t>div.comboboxpp</a:t>
-            </a:r>
-            <a:r>
-              <a:rPr lang="en-US" altLang="zh-TW" dirty="0" smtClean="0"/>
-              <a:t>, </a:t>
-            </a:r>
-            <a:r>
-              <a:rPr lang="en-US" altLang="zh-TW" dirty="0" err="1" smtClean="0"/>
-              <a:t>div.bandboxpp</a:t>
-            </a:r>
-            <a:r>
-              <a:rPr lang="en-US" altLang="zh-TW" dirty="0" smtClean="0"/>
-              <a:t> {&lt;%--hardcoded in DSP--%&gt;</a:t>
-            </a:r>
-          </a:p>
-          <a:p>
-            <a:r>
-              <a:rPr lang="en-US" altLang="zh-TW" dirty="0" smtClean="0"/>
-              <a:t>	display: block; position: absolute; z-index: 88000;</a:t>
-            </a:r>
-          </a:p>
-          <a:p>
-            <a:r>
-              <a:rPr lang="en-US" altLang="zh-TW" dirty="0" smtClean="0"/>
-              <a:t>	background: white; border: 1px solid black; padding: 2px;</a:t>
-            </a:r>
-          </a:p>
-          <a:p>
-            <a:r>
-              <a:rPr lang="en-US" altLang="zh-TW" dirty="0" smtClean="0"/>
-              <a:t>	font-size: x-small;</a:t>
-            </a:r>
-          </a:p>
-          <a:p>
-            <a:r>
-              <a:rPr lang="en-US" altLang="zh-TW" dirty="0" smtClean="0"/>
-              <a:t>}</a:t>
-            </a:r>
-          </a:p>
-          <a:p>
-            <a:r>
-              <a:rPr lang="en-US" altLang="zh-TW" dirty="0" err="1" smtClean="0"/>
-              <a:t>div.comboboxpp</a:t>
-            </a:r>
-            <a:r>
-              <a:rPr lang="en-US" altLang="zh-TW" dirty="0" smtClean="0"/>
-              <a:t> {</a:t>
-            </a:r>
-          </a:p>
-          <a:p>
-            <a:r>
-              <a:rPr lang="en-US" altLang="zh-TW" dirty="0" smtClean="0"/>
-              <a:t>	overflow: auto; &lt;%-- if </a:t>
-            </a:r>
-            <a:r>
-              <a:rPr lang="en-US" altLang="zh-TW" dirty="0" err="1" smtClean="0"/>
-              <a:t>bandboxpp</a:t>
-            </a:r>
-            <a:r>
-              <a:rPr lang="en-US" altLang="zh-TW" dirty="0" smtClean="0"/>
-              <a:t> </a:t>
-            </a:r>
-            <a:r>
-              <a:rPr lang="en-US" altLang="zh-TW" dirty="0" err="1" smtClean="0"/>
-              <a:t>overflow:auto</a:t>
-            </a:r>
-            <a:r>
-              <a:rPr lang="en-US" altLang="zh-TW" dirty="0" smtClean="0"/>
-              <a:t>, crop popup if any --%&gt;</a:t>
-            </a:r>
-          </a:p>
-          <a:p>
-            <a:r>
-              <a:rPr lang="en-US" altLang="zh-TW" dirty="0" smtClean="0"/>
-              <a:t>}</a:t>
-            </a:r>
-          </a:p>
-          <a:p>
-            <a:r>
               <a:rPr lang="en-US" altLang="zh-TW" dirty="0" smtClean="0"/>
               <a:t>.</a:t>
             </a:r>
@@ -715,40 +734,6 @@
             </a:r>
             <a:r>
               <a:rPr lang="en-US" altLang="zh-TW" dirty="0" smtClean="0"/>
-              <a:t> td {&lt;%--label--%&gt;</a:t>
-            </a:r>
-          </a:p>
-          <a:p>
-            <a:r>
-              <a:rPr lang="en-US" altLang="zh-TW" dirty="0" smtClean="0"/>
-              <a:t>	white-space: </a:t>
-            </a:r>
-            <a:r>
-              <a:rPr lang="en-US" altLang="zh-TW" dirty="0" err="1" smtClean="0"/>
-              <a:t>nowrap</a:t>
-            </a:r>
-            <a:r>
-              <a:rPr lang="en-US" altLang="zh-TW" dirty="0" smtClean="0"/>
-              <a:t>; font-size: x-small; cursor: pointer;</a:t>
-            </a:r>
-          </a:p>
-          <a:p>
-            <a:r>
-              <a:rPr lang="en-US" altLang="zh-TW" dirty="0" smtClean="0"/>
-              <a:t>}</a:t>
-            </a:r>
-          </a:p>
-          <a:p>
-            <a:r>
-              <a:rPr lang="en-US" altLang="zh-TW" dirty="0" smtClean="0"/>
-              <a:t>.</a:t>
-            </a:r>
-            <a:r>
-              <a:rPr lang="en-US" altLang="zh-TW" dirty="0" err="1" smtClean="0"/>
-              <a:t>comboboxpp</a:t>
-            </a:r>
-            <a:r>
-              <a:rPr lang="en-US" altLang="zh-TW" dirty="0" smtClean="0"/>
               <a:t> td span {&lt;%--description--%&gt;</a:t>
             </a:r>
           </a:p>
@@ -760,7 +745,7 @@
           </a:p>
           <a:p>
             <a:r>
-              <a:rPr lang="en-US" altLang="zh-TW" smtClean="0"/>
+              <a:rPr lang="en-US" altLang="zh-TW" dirty="0" smtClean="0"/>
               <a:t>}</a:t>
             </a:r>
             <a:endParaRPr lang="zh-TW" altLang="en-US" dirty="0"/>
@@ -786,6 +771,88 @@
               <a:rPr lang="zh-TW" altLang="en-US" smtClean="0"/>
               <a:pPr/>
               <a:t>1</a:t>
+            </a:fld>
+            <a:endParaRPr lang="zh-TW" altLang="en-US"/>
+          </a:p>
+        </p:txBody>
+      </p:sp>
+    </p:spTree>
+  </p:cSld>
+  <p:clrMapOvr>
+    <a:masterClrMapping/>
+  </p:clrMapOvr>
+</p:notes>
+</file>
+
+<file path=ppt/notesSlides/notesSlide2.xml><?xml version="1.0" encoding="utf-8"?>
+<p:notes xmlns:a="http://schemas.openxmlformats.org/drawingml/2006/main" xmlns:r="http://schemas.openxmlformats.org/officeDocument/2006/relationships" xmlns:p="http://schemas.openxmlformats.org/presentationml/2006/main">
+  <p:cSld>
+    <p:spTree>
+      <p:nvGrpSpPr>
+        <p:cNvPr id="1" name=""/>
+        <p:cNvGrpSpPr/>
+        <p:nvPr/>
+      </p:nvGrpSpPr>
+      <p:grpSpPr>
+        <a:xfrm>
+          <a:off x="0" y="0"/>
+          <a:ext cx="0" cy="0"/>
+          <a:chOff x="0" y="0"/>
+          <a:chExt cx="0" cy="0"/>
+        </a:xfrm>
+      </p:grpSpPr>
+      <p:sp>
+        <p:nvSpPr>
+          <p:cNvPr id="2" name="Slide Image Placeholder 1"/>
+          <p:cNvSpPr>
+            <a:spLocks noGrp="1" noRot="1" noChangeAspect="1"/>
+          </p:cNvSpPr>
+          <p:nvPr>
+            <p:ph type="sldImg"/>
+          </p:nvPr>
+        </p:nvSpPr>
+        <p:spPr/>
+      </p:sp>
+      <p:sp>
+        <p:nvSpPr>
+          <p:cNvPr id="3" name="Notes Placeholder 2"/>
+          <p:cNvSpPr>
+            <a:spLocks noGrp="1"/>
+          </p:cNvSpPr>
+          <p:nvPr>
+            <p:ph type="body" idx="1"/>
+          </p:nvPr>
+        </p:nvSpPr>
+        <p:spPr/>
+        <p:txBody>
+          <a:bodyPr>
+            <a:normAutofit/>
+          </a:bodyPr>
+          <a:lstStyle/>
+          <a:p>
+            <a:endParaRPr lang="zh-TW" altLang="en-US"/>
+          </a:p>
+        </p:txBody>
+      </p:sp>
+      <p:sp>
+        <p:nvSpPr>
+          <p:cNvPr id="4" name="Slide Number Placeholder 3"/>
+          <p:cNvSpPr>
+            <a:spLocks noGrp="1"/>
+          </p:cNvSpPr>
+          <p:nvPr>
+            <p:ph type="sldNum" sz="quarter" idx="10"/>
+          </p:nvPr>
+        </p:nvSpPr>
+        <p:spPr/>
+        <p:txBody>
+          <a:bodyPr/>
+          <a:lstStyle/>
+          <a:p>
+            <a:fld id="{25B39626-3AF1-4B5D-96CE-9F9A225EC0A8}" type="slidenum">
+              <a:rPr lang="zh-TW" altLang="en-US" smtClean="0"/>
+              <a:pPr/>
+              <a:t>2</a:t>
             </a:fld>
             <a:endParaRPr lang="zh-TW" altLang="en-US"/>
           </a:p>
@@ -981,7 +1048,7 @@
             <a:fld id="{1D8BD707-D9CF-40AE-B4C6-C98DA3205C09}" type="datetimeFigureOut">
               <a:rPr lang="en-US" smtClean="0"/>
               <a:pPr/>
-              <a:t>1/10/2008</a:t>
+              <a:t>2/15/2008</a:t>
             </a:fld>
             <a:endParaRPr lang="en-US"/>
           </a:p>
@@ -1148,7 +1215,7 @@
             <a:fld id="{1D8BD707-D9CF-40AE-B4C6-C98DA3205C09}" type="datetimeFigureOut">
               <a:rPr lang="en-US" smtClean="0"/>
               <a:pPr/>
-              <a:t>1/10/2008</a:t>
+              <a:t>2/15/2008</a:t>
             </a:fld>
             <a:endParaRPr lang="en-US"/>
           </a:p>
@@ -1325,7 +1392,7 @@
             <a:fld id="{1D8BD707-D9CF-40AE-B4C6-C98DA3205C09}" type="datetimeFigureOut">
               <a:rPr lang="en-US" smtClean="0"/>
               <a:pPr/>
-              <a:t>1/10/2008</a:t>
+              <a:t>2/15/2008</a:t>
             </a:fld>
             <a:endParaRPr lang="en-US"/>
           </a:p>
@@ -1492,7 +1559,7 @@
             <a:fld id="{1D8BD707-D9CF-40AE-B4C6-C98DA3205C09}" type="datetimeFigureOut">
               <a:rPr lang="en-US" smtClean="0"/>
               <a:pPr/>
-              <a:t>1/10/2008</a:t>
+              <a:t>2/15/2008</a:t>
             </a:fld>
             <a:endParaRPr lang="en-US"/>
           </a:p>
@@ -1735,7 +1802,7 @@
             <a:fld id="{1D8BD707-D9CF-40AE-B4C6-C98DA3205C09}" type="datetimeFigureOut">
               <a:rPr lang="en-US" smtClean="0"/>
               <a:pPr/>
-              <a:t>1/10/2008</a:t>
+              <a:t>2/15/2008</a:t>
             </a:fld>
             <a:endParaRPr lang="en-US"/>
           </a:p>
@@ -2020,7 +2087,7 @@
             <a:fld id="{1D8BD707-D9CF-40AE-B4C6-C98DA3205C09}" type="datetimeFigureOut">
               <a:rPr lang="en-US" smtClean="0"/>
               <a:pPr/>
-              <a:t>1/10/2008</a:t>
+              <a:t>2/15/2008</a:t>
             </a:fld>
             <a:endParaRPr lang="en-US"/>
           </a:p>
@@ -2439,7 +2506,7 @@
             <a:fld id="{1D8BD707-D9CF-40AE-B4C6-C98DA3205C09}" type="datetimeFigureOut">
               <a:rPr lang="en-US" smtClean="0"/>
               <a:pPr/>
-              <a:t>1/10/2008</a:t>
+              <a:t>2/15/2008</a:t>
             </a:fld>
             <a:endParaRPr lang="en-US"/>
           </a:p>
@@ -2554,7 +2621,7 @@
             <a:fld id="{1D8BD707-D9CF-40AE-B4C6-C98DA3205C09}" type="datetimeFigureOut">
               <a:rPr lang="en-US" smtClean="0"/>
               <a:pPr/>
-              <a:t>1/10/2008</a:t>
+              <a:t>2/15/2008</a:t>
             </a:fld>
             <a:endParaRPr lang="en-US"/>
           </a:p>
@@ -2646,7 +2713,7 @@
             <a:fld id="{1D8BD707-D9CF-40AE-B4C6-C98DA3205C09}" type="datetimeFigureOut">
               <a:rPr lang="en-US" smtClean="0"/>
               <a:pPr/>
-              <a:t>1/10/2008</a:t>
+              <a:t>2/15/2008</a:t>
             </a:fld>
             <a:endParaRPr lang="en-US"/>
           </a:p>
@@ -2920,7 +2987,7 @@
             <a:fld id="{1D8BD707-D9CF-40AE-B4C6-C98DA3205C09}" type="datetimeFigureOut">
               <a:rPr lang="en-US" smtClean="0"/>
               <a:pPr/>
-              <a:t>1/10/2008</a:t>
+              <a:t>2/15/2008</a:t>
             </a:fld>
             <a:endParaRPr lang="en-US"/>
           </a:p>
@@ -3170,7 +3237,7 @@
             <a:fld id="{1D8BD707-D9CF-40AE-B4C6-C98DA3205C09}" type="datetimeFigureOut">
               <a:rPr lang="en-US" smtClean="0"/>
               <a:pPr/>
-              <a:t>1/10/2008</a:t>
+              <a:t>2/15/2008</a:t>
             </a:fld>
             <a:endParaRPr lang="en-US"/>
           </a:p>
@@ -3380,7 +3447,7 @@
             <a:fld id="{1D8BD707-D9CF-40AE-B4C6-C98DA3205C09}" type="datetimeFigureOut">
               <a:rPr lang="en-US" smtClean="0"/>
               <a:pPr/>
-              <a:t>1/10/2008</a:t>
+              <a:t>2/15/2008</a:t>
             </a:fld>
             <a:endParaRPr lang="en-US"/>
           </a:p>
@@ -4303,6 +4370,298 @@
               <a:t>Combobox</a:t>
             </a:r>
             <a:endParaRPr lang="zh-TW" altLang="en-US" dirty="0"/>
+          </a:p>
+        </p:txBody>
+      </p:sp>
+    </p:spTree>
+  </p:cSld>
+  <p:clrMapOvr>
+    <a:masterClrMapping/>
+  </p:clrMapOvr>
+</p:sld>
+</file>
+
+<file path=ppt/slides/slide2.xml><?xml version="1.0" encoding="utf-8"?>
+<p:sld xmlns:a="http://schemas.openxmlformats.org/drawingml/2006/main" xmlns:r="http://schemas.openxmlformats.org/officeDocument/2006/relationships" xmlns:p="http://schemas.openxmlformats.org/presentationml/2006/main">
+  <p:cSld>
+    <p:spTree>
+      <p:nvGrpSpPr>
+        <p:cNvPr id="1" name=""/>
+        <p:cNvGrpSpPr/>
+        <p:nvPr/>
+      </p:nvGrpSpPr>
+      <p:grpSpPr>
+        <a:xfrm>
+          <a:off x="0" y="0"/>
+          <a:ext cx="0" cy="0"/>
+          <a:chOff x="0" y="0"/>
+          <a:chExt cx="0" cy="0"/>
+        </a:xfrm>
+      </p:grpSpPr>
+      <p:sp>
+        <p:nvSpPr>
+          <p:cNvPr id="2" name="Title 1"/>
+          <p:cNvSpPr>
+            <a:spLocks noGrp="1"/>
+          </p:cNvSpPr>
+          <p:nvPr>
+            <p:ph type="title"/>
+          </p:nvPr>
+        </p:nvSpPr>
+        <p:spPr/>
+        <p:txBody>
+          <a:bodyPr/>
+          <a:lstStyle/>
+          <a:p>
+            <a:r>
+              <a:rPr lang="en-US" altLang="zh-TW" dirty="0" smtClean="0"/>
+              <a:t>Bandbox</a:t>
+            </a:r>
+            <a:endParaRPr lang="zh-TW" altLang="en-US" dirty="0"/>
+          </a:p>
+        </p:txBody>
+      </p:sp>
+      <p:pic>
+        <p:nvPicPr>
+          <p:cNvPr id="1026" name="Picture 2" descr="C:\Documents and Settings\robbiecheng\Desktop\bandbox-input.jpg"/>
+          <p:cNvPicPr>
+            <a:picLocks noChangeAspect="1" noChangeArrowheads="1"/>
+          </p:cNvPicPr>
+          <p:nvPr/>
+        </p:nvPicPr>
+        <p:blipFill>
+          <a:blip r:embed="rId3"/>
+          <a:srcRect/>
+          <a:stretch>
+            <a:fillRect/>
+          </a:stretch>
+        </p:blipFill>
+        <p:spPr bwMode="auto">
+          <a:xfrm>
+            <a:off x="1828799" y="1752600"/>
+            <a:ext cx="2643186" cy="457200"/>
+          </a:xfrm>
+          <a:prstGeom prst="rect">
+            <a:avLst/>
+          </a:prstGeom>
+          <a:noFill/>
+        </p:spPr>
+      </p:pic>
+      <p:pic>
+        <p:nvPicPr>
+          <p:cNvPr id="1027" name="Picture 3" descr="C:\Documents and Settings\robbiecheng\Desktop\bandbox.jpg"/>
+          <p:cNvPicPr>
+            <a:picLocks noChangeAspect="1" noChangeArrowheads="1"/>
+          </p:cNvPicPr>
+          <p:nvPr/>
+        </p:nvPicPr>
+        <p:blipFill>
+          <a:blip r:embed="rId4"/>
+          <a:srcRect/>
+          <a:stretch>
+            <a:fillRect/>
+          </a:stretch>
+        </p:blipFill>
+        <p:spPr bwMode="auto">
+          <a:xfrm>
+            <a:off x="1905000" y="4267200"/>
+            <a:ext cx="3161072" cy="1828800"/>
+          </a:xfrm>
+          <a:prstGeom prst="rect">
+            <a:avLst/>
+          </a:prstGeom>
+          <a:noFill/>
+        </p:spPr>
+      </p:pic>
+      <p:sp>
+        <p:nvSpPr>
+          <p:cNvPr id="5" name="Rectangle 4"/>
+          <p:cNvSpPr/>
+          <p:nvPr/>
+        </p:nvSpPr>
+        <p:spPr>
+          <a:xfrm>
+            <a:off x="1828800" y="1752600"/>
+            <a:ext cx="2590800" cy="457200"/>
+          </a:xfrm>
+          <a:prstGeom prst="rect">
+            <a:avLst/>
+          </a:prstGeom>
+          <a:noFill/>
+          <a:ln>
+            <a:solidFill>
+              <a:srgbClr val="FF0000"/>
+            </a:solidFill>
+          </a:ln>
+        </p:spPr>
+        <p:style>
+          <a:lnRef idx="2">
+            <a:schemeClr val="accent1">
+              <a:shade val="50000"/>
+            </a:schemeClr>
+          </a:lnRef>
+          <a:fillRef idx="1">
+            <a:schemeClr val="accent1"/>
+          </a:fillRef>
+          <a:effectRef idx="0">
+            <a:schemeClr val="accent1"/>
+          </a:effectRef>
+          <a:fontRef idx="minor">
+            <a:schemeClr val="lt1"/>
+          </a:fontRef>
+        </p:style>
+        <p:txBody>
+          <a:bodyPr rtlCol="0" anchor="ctr"/>
+          <a:lstStyle/>
+          <a:p>
+            <a:pPr algn="ctr"/>
+            <a:endParaRPr lang="zh-TW" altLang="en-US"/>
+          </a:p>
+        </p:txBody>
+      </p:sp>
+      <p:sp>
+        <p:nvSpPr>
+          <p:cNvPr id="6" name="Line Callout 1 5"/>
+          <p:cNvSpPr/>
+          <p:nvPr/>
+        </p:nvSpPr>
+        <p:spPr>
+          <a:xfrm>
+            <a:off x="5239328" y="1600200"/>
+            <a:ext cx="1752600" cy="304800"/>
+          </a:xfrm>
+          <a:prstGeom prst="borderCallout1">
+            <a:avLst/>
+          </a:prstGeom>
+        </p:spPr>
+        <p:style>
+          <a:lnRef idx="2">
+            <a:schemeClr val="accent1"/>
+          </a:lnRef>
+          <a:fillRef idx="1">
+            <a:schemeClr val="lt1"/>
+          </a:fillRef>
+          <a:effectRef idx="0">
+            <a:schemeClr val="accent1"/>
+          </a:effectRef>
+          <a:fontRef idx="minor">
+            <a:schemeClr val="dk1"/>
+          </a:fontRef>
+        </p:style>
+        <p:txBody>
+          <a:bodyPr rtlCol="0" anchor="ctr"/>
+          <a:lstStyle/>
+          <a:p>
+            <a:pPr algn="ctr"/>
+            <a:r>
+              <a:rPr lang="en-US" altLang="zh-TW" dirty="0" smtClean="0">
+                <a:solidFill>
+                  <a:srgbClr val="0070C0"/>
+                </a:solidFill>
+              </a:rPr>
+              <a:t>span.bandbox</a:t>
+            </a:r>
+            <a:endParaRPr lang="zh-TW" altLang="en-US" dirty="0">
+              <a:solidFill>
+                <a:srgbClr val="0070C0"/>
+              </a:solidFill>
+            </a:endParaRPr>
+          </a:p>
+        </p:txBody>
+      </p:sp>
+      <p:sp>
+        <p:nvSpPr>
+          <p:cNvPr id="7" name="Rectangle 6"/>
+          <p:cNvSpPr/>
+          <p:nvPr/>
+        </p:nvSpPr>
+        <p:spPr>
+          <a:xfrm>
+            <a:off x="1828800" y="4495800"/>
+            <a:ext cx="3200400" cy="1600200"/>
+          </a:xfrm>
+          <a:prstGeom prst="rect">
+            <a:avLst/>
+          </a:prstGeom>
+          <a:noFill/>
+          <a:ln>
+            <a:solidFill>
+              <a:srgbClr val="FF0000"/>
+            </a:solidFill>
+          </a:ln>
+        </p:spPr>
+        <p:style>
+          <a:lnRef idx="2">
+            <a:schemeClr val="accent1">
+              <a:shade val="50000"/>
+            </a:schemeClr>
+          </a:lnRef>
+          <a:fillRef idx="1">
+            <a:schemeClr val="accent1"/>
+          </a:fillRef>
+          <a:effectRef idx="0">
+            <a:schemeClr val="accent1"/>
+          </a:effectRef>
+          <a:fontRef idx="minor">
+            <a:schemeClr val="lt1"/>
+          </a:fontRef>
+        </p:style>
+        <p:txBody>
+          <a:bodyPr rtlCol="0" anchor="ctr"/>
+          <a:lstStyle/>
+          <a:p>
+            <a:pPr algn="ctr"/>
+            <a:endParaRPr lang="zh-TW" altLang="en-US"/>
+          </a:p>
+        </p:txBody>
+      </p:sp>
+      <p:sp>
+        <p:nvSpPr>
+          <p:cNvPr id="8" name="Line Callout 1 7"/>
+          <p:cNvSpPr/>
+          <p:nvPr/>
+        </p:nvSpPr>
+        <p:spPr>
+          <a:xfrm>
+            <a:off x="5638800" y="4191000"/>
+            <a:ext cx="1600200" cy="376518"/>
+          </a:xfrm>
+          <a:prstGeom prst="borderCallout1">
+            <a:avLst/>
+          </a:prstGeom>
+        </p:spPr>
+        <p:style>
+          <a:lnRef idx="2">
+            <a:schemeClr val="accent1"/>
+          </a:lnRef>
+          <a:fillRef idx="1">
+            <a:schemeClr val="lt1"/>
+          </a:fillRef>
+          <a:effectRef idx="0">
+            <a:schemeClr val="accent1"/>
+          </a:effectRef>
+          <a:fontRef idx="minor">
+            <a:schemeClr val="dk1"/>
+          </a:fontRef>
+        </p:style>
+        <p:txBody>
+          <a:bodyPr rtlCol="0" anchor="ctr"/>
+          <a:lstStyle/>
+          <a:p>
+            <a:pPr algn="ctr"/>
+            <a:r>
+              <a:rPr lang="en-US" altLang="zh-TW" dirty="0" smtClean="0">
+                <a:solidFill>
+                  <a:srgbClr val="0070C0"/>
+                </a:solidFill>
+              </a:rPr>
+              <a:t>div.bandboxpp</a:t>
+            </a:r>
+            <a:endParaRPr lang="zh-TW" altLang="en-US" dirty="0">
+              <a:solidFill>
+                <a:srgbClr val="0070C0"/>
+              </a:solidFill>
+            </a:endParaRPr>
           </a:p>
         </p:txBody>
       </p:sp>

--- a/zkdoc/styleguide/style guide - robbie.pptx
+++ b/zkdoc/styleguide/style guide - robbie.pptx
@@ -5,11 +5,12 @@
     <p:sldMasterId id="2147483648" r:id="rId1"/>
   </p:sldMasterIdLst>
   <p:notesMasterIdLst>
-    <p:notesMasterId r:id="rId4"/>
+    <p:notesMasterId r:id="rId5"/>
   </p:notesMasterIdLst>
   <p:sldIdLst>
     <p:sldId id="256" r:id="rId2"/>
     <p:sldId id="257" r:id="rId3"/>
+    <p:sldId id="258" r:id="rId4"/>
   </p:sldIdLst>
   <p:sldSz cx="9144000" cy="6858000" type="screen4x3"/>
   <p:notesSz cx="6858000" cy="9144000"/>
@@ -194,7 +195,7 @@
             <a:fld id="{C90B346D-464A-4AED-AAEB-F9A1DEC59BF3}" type="datetimeFigureOut">
               <a:rPr lang="zh-TW" altLang="en-US" smtClean="0"/>
               <a:pPr/>
-              <a:t>2008/2/15</a:t>
+              <a:t>2008/2/22</a:t>
             </a:fld>
             <a:endParaRPr lang="zh-TW" altLang="en-US"/>
           </a:p>
@@ -866,6 +867,88 @@
 </p:notes>
 </file>
 
+<file path=ppt/notesSlides/notesSlide3.xml><?xml version="1.0" encoding="utf-8"?>
+<p:notes xmlns:a="http://schemas.openxmlformats.org/drawingml/2006/main" xmlns:r="http://schemas.openxmlformats.org/officeDocument/2006/relationships" xmlns:p="http://schemas.openxmlformats.org/presentationml/2006/main">
+  <p:cSld>
+    <p:spTree>
+      <p:nvGrpSpPr>
+        <p:cNvPr id="1" name=""/>
+        <p:cNvGrpSpPr/>
+        <p:nvPr/>
+      </p:nvGrpSpPr>
+      <p:grpSpPr>
+        <a:xfrm>
+          <a:off x="0" y="0"/>
+          <a:ext cx="0" cy="0"/>
+          <a:chOff x="0" y="0"/>
+          <a:chExt cx="0" cy="0"/>
+        </a:xfrm>
+      </p:grpSpPr>
+      <p:sp>
+        <p:nvSpPr>
+          <p:cNvPr id="2" name="Slide Image Placeholder 1"/>
+          <p:cNvSpPr>
+            <a:spLocks noGrp="1" noRot="1" noChangeAspect="1"/>
+          </p:cNvSpPr>
+          <p:nvPr>
+            <p:ph type="sldImg"/>
+          </p:nvPr>
+        </p:nvSpPr>
+        <p:spPr/>
+      </p:sp>
+      <p:sp>
+        <p:nvSpPr>
+          <p:cNvPr id="3" name="Notes Placeholder 2"/>
+          <p:cNvSpPr>
+            <a:spLocks noGrp="1"/>
+          </p:cNvSpPr>
+          <p:nvPr>
+            <p:ph type="body" idx="1"/>
+          </p:nvPr>
+        </p:nvSpPr>
+        <p:spPr/>
+        <p:txBody>
+          <a:bodyPr>
+            <a:normAutofit/>
+          </a:bodyPr>
+          <a:lstStyle/>
+          <a:p>
+            <a:endParaRPr lang="zh-TW" altLang="en-US"/>
+          </a:p>
+        </p:txBody>
+      </p:sp>
+      <p:sp>
+        <p:nvSpPr>
+          <p:cNvPr id="4" name="Slide Number Placeholder 3"/>
+          <p:cNvSpPr>
+            <a:spLocks noGrp="1"/>
+          </p:cNvSpPr>
+          <p:nvPr>
+            <p:ph type="sldNum" sz="quarter" idx="10"/>
+          </p:nvPr>
+        </p:nvSpPr>
+        <p:spPr/>
+        <p:txBody>
+          <a:bodyPr/>
+          <a:lstStyle/>
+          <a:p>
+            <a:fld id="{25B39626-3AF1-4B5D-96CE-9F9A225EC0A8}" type="slidenum">
+              <a:rPr lang="zh-TW" altLang="en-US" smtClean="0"/>
+              <a:pPr/>
+              <a:t>3</a:t>
+            </a:fld>
+            <a:endParaRPr lang="zh-TW" altLang="en-US"/>
+          </a:p>
+        </p:txBody>
+      </p:sp>
+    </p:spTree>
+  </p:cSld>
+  <p:clrMapOvr>
+    <a:masterClrMapping/>
+  </p:clrMapOvr>
+</p:notes>
+</file>
+
 <file path=ppt/slideLayouts/slideLayout1.xml><?xml version="1.0" encoding="utf-8"?>
 <p:sldLayout xmlns:a="http://schemas.openxmlformats.org/drawingml/2006/main" xmlns:r="http://schemas.openxmlformats.org/officeDocument/2006/relationships" xmlns:p="http://schemas.openxmlformats.org/presentationml/2006/main" type="title" preserve="1">
   <p:cSld name="Title Slide">
@@ -1048,7 +1131,7 @@
             <a:fld id="{1D8BD707-D9CF-40AE-B4C6-C98DA3205C09}" type="datetimeFigureOut">
               <a:rPr lang="en-US" smtClean="0"/>
               <a:pPr/>
-              <a:t>2/15/2008</a:t>
+              <a:t>2/22/2008</a:t>
             </a:fld>
             <a:endParaRPr lang="en-US"/>
           </a:p>
@@ -1215,7 +1298,7 @@
             <a:fld id="{1D8BD707-D9CF-40AE-B4C6-C98DA3205C09}" type="datetimeFigureOut">
               <a:rPr lang="en-US" smtClean="0"/>
               <a:pPr/>
-              <a:t>2/15/2008</a:t>
+              <a:t>2/22/2008</a:t>
             </a:fld>
             <a:endParaRPr lang="en-US"/>
           </a:p>
@@ -1392,7 +1475,7 @@
             <a:fld id="{1D8BD707-D9CF-40AE-B4C6-C98DA3205C09}" type="datetimeFigureOut">
               <a:rPr lang="en-US" smtClean="0"/>
               <a:pPr/>
-              <a:t>2/15/2008</a:t>
+              <a:t>2/22/2008</a:t>
             </a:fld>
             <a:endParaRPr lang="en-US"/>
           </a:p>
@@ -1559,7 +1642,7 @@
             <a:fld id="{1D8BD707-D9CF-40AE-B4C6-C98DA3205C09}" type="datetimeFigureOut">
               <a:rPr lang="en-US" smtClean="0"/>
               <a:pPr/>
-              <a:t>2/15/2008</a:t>
+              <a:t>2/22/2008</a:t>
             </a:fld>
             <a:endParaRPr lang="en-US"/>
           </a:p>
@@ -1802,7 +1885,7 @@
             <a:fld id="{1D8BD707-D9CF-40AE-B4C6-C98DA3205C09}" type="datetimeFigureOut">
               <a:rPr lang="en-US" smtClean="0"/>
               <a:pPr/>
-              <a:t>2/15/2008</a:t>
+              <a:t>2/22/2008</a:t>
             </a:fld>
             <a:endParaRPr lang="en-US"/>
           </a:p>
@@ -2087,7 +2170,7 @@
             <a:fld id="{1D8BD707-D9CF-40AE-B4C6-C98DA3205C09}" type="datetimeFigureOut">
               <a:rPr lang="en-US" smtClean="0"/>
               <a:pPr/>
-              <a:t>2/15/2008</a:t>
+              <a:t>2/22/2008</a:t>
             </a:fld>
             <a:endParaRPr lang="en-US"/>
           </a:p>
@@ -2506,7 +2589,7 @@
             <a:fld id="{1D8BD707-D9CF-40AE-B4C6-C98DA3205C09}" type="datetimeFigureOut">
               <a:rPr lang="en-US" smtClean="0"/>
               <a:pPr/>
-              <a:t>2/15/2008</a:t>
+              <a:t>2/22/2008</a:t>
             </a:fld>
             <a:endParaRPr lang="en-US"/>
           </a:p>
@@ -2621,7 +2704,7 @@
             <a:fld id="{1D8BD707-D9CF-40AE-B4C6-C98DA3205C09}" type="datetimeFigureOut">
               <a:rPr lang="en-US" smtClean="0"/>
               <a:pPr/>
-              <a:t>2/15/2008</a:t>
+              <a:t>2/22/2008</a:t>
             </a:fld>
             <a:endParaRPr lang="en-US"/>
           </a:p>
@@ -2713,7 +2796,7 @@
             <a:fld id="{1D8BD707-D9CF-40AE-B4C6-C98DA3205C09}" type="datetimeFigureOut">
               <a:rPr lang="en-US" smtClean="0"/>
               <a:pPr/>
-              <a:t>2/15/2008</a:t>
+              <a:t>2/22/2008</a:t>
             </a:fld>
             <a:endParaRPr lang="en-US"/>
           </a:p>
@@ -2987,7 +3070,7 @@
             <a:fld id="{1D8BD707-D9CF-40AE-B4C6-C98DA3205C09}" type="datetimeFigureOut">
               <a:rPr lang="en-US" smtClean="0"/>
               <a:pPr/>
-              <a:t>2/15/2008</a:t>
+              <a:t>2/22/2008</a:t>
             </a:fld>
             <a:endParaRPr lang="en-US"/>
           </a:p>
@@ -3237,7 +3320,7 @@
             <a:fld id="{1D8BD707-D9CF-40AE-B4C6-C98DA3205C09}" type="datetimeFigureOut">
               <a:rPr lang="en-US" smtClean="0"/>
               <a:pPr/>
-              <a:t>2/15/2008</a:t>
+              <a:t>2/22/2008</a:t>
             </a:fld>
             <a:endParaRPr lang="en-US"/>
           </a:p>
@@ -3447,7 +3530,7 @@
             <a:fld id="{1D8BD707-D9CF-40AE-B4C6-C98DA3205C09}" type="datetimeFigureOut">
               <a:rPr lang="en-US" smtClean="0"/>
               <a:pPr/>
-              <a:t>2/15/2008</a:t>
+              <a:t>2/22/2008</a:t>
             </a:fld>
             <a:endParaRPr lang="en-US"/>
           </a:p>
@@ -4665,6 +4748,181 @@
           </a:p>
         </p:txBody>
       </p:sp>
+    </p:spTree>
+  </p:cSld>
+  <p:clrMapOvr>
+    <a:masterClrMapping/>
+  </p:clrMapOvr>
+</p:sld>
+</file>
+
+<file path=ppt/slides/slide3.xml><?xml version="1.0" encoding="utf-8"?>
+<p:sld xmlns:a="http://schemas.openxmlformats.org/drawingml/2006/main" xmlns:r="http://schemas.openxmlformats.org/officeDocument/2006/relationships" xmlns:p="http://schemas.openxmlformats.org/presentationml/2006/main">
+  <p:cSld>
+    <p:spTree>
+      <p:nvGrpSpPr>
+        <p:cNvPr id="1" name=""/>
+        <p:cNvGrpSpPr/>
+        <p:nvPr/>
+      </p:nvGrpSpPr>
+      <p:grpSpPr>
+        <a:xfrm>
+          <a:off x="0" y="0"/>
+          <a:ext cx="0" cy="0"/>
+          <a:chOff x="0" y="0"/>
+          <a:chExt cx="0" cy="0"/>
+        </a:xfrm>
+      </p:grpSpPr>
+      <p:sp>
+        <p:nvSpPr>
+          <p:cNvPr id="10" name="Title 1"/>
+          <p:cNvSpPr>
+            <a:spLocks noGrp="1"/>
+          </p:cNvSpPr>
+          <p:nvPr>
+            <p:ph type="title"/>
+          </p:nvPr>
+        </p:nvSpPr>
+        <p:spPr>
+          <a:xfrm>
+            <a:off x="457200" y="274638"/>
+            <a:ext cx="8229600" cy="1143000"/>
+          </a:xfrm>
+        </p:spPr>
+        <p:txBody>
+          <a:bodyPr/>
+          <a:lstStyle/>
+          <a:p>
+            <a:r>
+              <a:rPr lang="en-US" altLang="zh-TW" dirty="0" smtClean="0"/>
+              <a:t>Checkbox</a:t>
+            </a:r>
+            <a:endParaRPr lang="zh-TW" altLang="en-US" dirty="0"/>
+          </a:p>
+        </p:txBody>
+      </p:sp>
+      <p:sp>
+        <p:nvSpPr>
+          <p:cNvPr id="13" name="Rectangle 12"/>
+          <p:cNvSpPr/>
+          <p:nvPr/>
+        </p:nvSpPr>
+        <p:spPr>
+          <a:xfrm>
+            <a:off x="2743200" y="1828800"/>
+            <a:ext cx="685800" cy="609600"/>
+          </a:xfrm>
+          <a:prstGeom prst="rect">
+            <a:avLst/>
+          </a:prstGeom>
+          <a:noFill/>
+          <a:ln>
+            <a:solidFill>
+              <a:srgbClr val="FF0000"/>
+            </a:solidFill>
+          </a:ln>
+        </p:spPr>
+        <p:style>
+          <a:lnRef idx="2">
+            <a:schemeClr val="accent1">
+              <a:shade val="50000"/>
+            </a:schemeClr>
+          </a:lnRef>
+          <a:fillRef idx="1">
+            <a:schemeClr val="accent1"/>
+          </a:fillRef>
+          <a:effectRef idx="0">
+            <a:schemeClr val="accent1"/>
+          </a:effectRef>
+          <a:fontRef idx="minor">
+            <a:schemeClr val="lt1"/>
+          </a:fontRef>
+        </p:style>
+        <p:txBody>
+          <a:bodyPr rtlCol="0" anchor="ctr"/>
+          <a:lstStyle/>
+          <a:p>
+            <a:pPr algn="ctr"/>
+            <a:endParaRPr lang="zh-TW" altLang="en-US"/>
+          </a:p>
+        </p:txBody>
+      </p:sp>
+      <p:sp>
+        <p:nvSpPr>
+          <p:cNvPr id="14" name="Line Callout 1 13"/>
+          <p:cNvSpPr/>
+          <p:nvPr/>
+        </p:nvSpPr>
+        <p:spPr>
+          <a:xfrm>
+            <a:off x="4114800" y="1676400"/>
+            <a:ext cx="1752600" cy="304800"/>
+          </a:xfrm>
+          <a:prstGeom prst="borderCallout1">
+            <a:avLst/>
+          </a:prstGeom>
+        </p:spPr>
+        <p:style>
+          <a:lnRef idx="2">
+            <a:schemeClr val="accent1"/>
+          </a:lnRef>
+          <a:fillRef idx="1">
+            <a:schemeClr val="lt1"/>
+          </a:fillRef>
+          <a:effectRef idx="0">
+            <a:schemeClr val="accent1"/>
+          </a:effectRef>
+          <a:fontRef idx="minor">
+            <a:schemeClr val="dk1"/>
+          </a:fontRef>
+        </p:style>
+        <p:txBody>
+          <a:bodyPr rtlCol="0" anchor="ctr"/>
+          <a:lstStyle/>
+          <a:p>
+            <a:pPr algn="ctr"/>
+            <a:r>
+              <a:rPr lang="en-US" altLang="zh-TW" dirty="0" smtClean="0">
+                <a:solidFill>
+                  <a:srgbClr val="0070C0"/>
+                </a:solidFill>
+              </a:rPr>
+              <a:t>input</a:t>
+            </a:r>
+            <a:endParaRPr lang="zh-TW" altLang="en-US" dirty="0">
+              <a:solidFill>
+                <a:srgbClr val="0070C0"/>
+              </a:solidFill>
+            </a:endParaRPr>
+          </a:p>
+        </p:txBody>
+      </p:sp>
+      <p:pic>
+        <p:nvPicPr>
+          <p:cNvPr id="1027" name="Picture 3" descr="C:\Documents and Settings\robbiecheng\Desktop\checkbox.jpg"/>
+          <p:cNvPicPr>
+            <a:picLocks noChangeAspect="1" noChangeArrowheads="1"/>
+          </p:cNvPicPr>
+          <p:nvPr/>
+        </p:nvPicPr>
+        <p:blipFill>
+          <a:blip r:embed="rId3"/>
+          <a:srcRect/>
+          <a:stretch>
+            <a:fillRect/>
+          </a:stretch>
+        </p:blipFill>
+        <p:spPr bwMode="auto">
+          <a:xfrm>
+            <a:off x="2878392" y="1914832"/>
+            <a:ext cx="457200" cy="457200"/>
+          </a:xfrm>
+          <a:prstGeom prst="rect">
+            <a:avLst/>
+          </a:prstGeom>
+          <a:noFill/>
+        </p:spPr>
+      </p:pic>
     </p:spTree>
   </p:cSld>
   <p:clrMapOvr>

--- a/zkdoc/styleguide/style guide - robbie.pptx
+++ b/zkdoc/styleguide/style guide - robbie.pptx
@@ -5,12 +5,13 @@
     <p:sldMasterId id="2147483648" r:id="rId1"/>
   </p:sldMasterIdLst>
   <p:notesMasterIdLst>
-    <p:notesMasterId r:id="rId5"/>
+    <p:notesMasterId r:id="rId6"/>
   </p:notesMasterIdLst>
   <p:sldIdLst>
     <p:sldId id="256" r:id="rId2"/>
     <p:sldId id="257" r:id="rId3"/>
     <p:sldId id="258" r:id="rId4"/>
+    <p:sldId id="259" r:id="rId5"/>
   </p:sldIdLst>
   <p:sldSz cx="9144000" cy="6858000" type="screen4x3"/>
   <p:notesSz cx="6858000" cy="9144000"/>
@@ -195,7 +196,7 @@
             <a:fld id="{C90B346D-464A-4AED-AAEB-F9A1DEC59BF3}" type="datetimeFigureOut">
               <a:rPr lang="zh-TW" altLang="en-US" smtClean="0"/>
               <a:pPr/>
-              <a:t>2008/2/22</a:t>
+              <a:t>2008/2/29</a:t>
             </a:fld>
             <a:endParaRPr lang="zh-TW" altLang="en-US"/>
           </a:p>
@@ -949,6 +950,88 @@
 </p:notes>
 </file>
 
+<file path=ppt/notesSlides/notesSlide4.xml><?xml version="1.0" encoding="utf-8"?>
+<p:notes xmlns:a="http://schemas.openxmlformats.org/drawingml/2006/main" xmlns:r="http://schemas.openxmlformats.org/officeDocument/2006/relationships" xmlns:p="http://schemas.openxmlformats.org/presentationml/2006/main">
+  <p:cSld>
+    <p:spTree>
+      <p:nvGrpSpPr>
+        <p:cNvPr id="1" name=""/>
+        <p:cNvGrpSpPr/>
+        <p:nvPr/>
+      </p:nvGrpSpPr>
+      <p:grpSpPr>
+        <a:xfrm>
+          <a:off x="0" y="0"/>
+          <a:ext cx="0" cy="0"/>
+          <a:chOff x="0" y="0"/>
+          <a:chExt cx="0" cy="0"/>
+        </a:xfrm>
+      </p:grpSpPr>
+      <p:sp>
+        <p:nvSpPr>
+          <p:cNvPr id="2" name="Slide Image Placeholder 1"/>
+          <p:cNvSpPr>
+            <a:spLocks noGrp="1" noRot="1" noChangeAspect="1"/>
+          </p:cNvSpPr>
+          <p:nvPr>
+            <p:ph type="sldImg"/>
+          </p:nvPr>
+        </p:nvSpPr>
+        <p:spPr/>
+      </p:sp>
+      <p:sp>
+        <p:nvSpPr>
+          <p:cNvPr id="3" name="Notes Placeholder 2"/>
+          <p:cNvSpPr>
+            <a:spLocks noGrp="1"/>
+          </p:cNvSpPr>
+          <p:nvPr>
+            <p:ph type="body" idx="1"/>
+          </p:nvPr>
+        </p:nvSpPr>
+        <p:spPr/>
+        <p:txBody>
+          <a:bodyPr>
+            <a:normAutofit/>
+          </a:bodyPr>
+          <a:lstStyle/>
+          <a:p>
+            <a:endParaRPr lang="zh-TW" altLang="en-US"/>
+          </a:p>
+        </p:txBody>
+      </p:sp>
+      <p:sp>
+        <p:nvSpPr>
+          <p:cNvPr id="4" name="Slide Number Placeholder 3"/>
+          <p:cNvSpPr>
+            <a:spLocks noGrp="1"/>
+          </p:cNvSpPr>
+          <p:nvPr>
+            <p:ph type="sldNum" sz="quarter" idx="10"/>
+          </p:nvPr>
+        </p:nvSpPr>
+        <p:spPr/>
+        <p:txBody>
+          <a:bodyPr/>
+          <a:lstStyle/>
+          <a:p>
+            <a:fld id="{25B39626-3AF1-4B5D-96CE-9F9A225EC0A8}" type="slidenum">
+              <a:rPr lang="zh-TW" altLang="en-US" smtClean="0"/>
+              <a:pPr/>
+              <a:t>4</a:t>
+            </a:fld>
+            <a:endParaRPr lang="zh-TW" altLang="en-US"/>
+          </a:p>
+        </p:txBody>
+      </p:sp>
+    </p:spTree>
+  </p:cSld>
+  <p:clrMapOvr>
+    <a:masterClrMapping/>
+  </p:clrMapOvr>
+</p:notes>
+</file>
+
 <file path=ppt/slideLayouts/slideLayout1.xml><?xml version="1.0" encoding="utf-8"?>
 <p:sldLayout xmlns:a="http://schemas.openxmlformats.org/drawingml/2006/main" xmlns:r="http://schemas.openxmlformats.org/officeDocument/2006/relationships" xmlns:p="http://schemas.openxmlformats.org/presentationml/2006/main" type="title" preserve="1">
   <p:cSld name="Title Slide">
@@ -1131,7 +1214,7 @@
             <a:fld id="{1D8BD707-D9CF-40AE-B4C6-C98DA3205C09}" type="datetimeFigureOut">
               <a:rPr lang="en-US" smtClean="0"/>
               <a:pPr/>
-              <a:t>2/22/2008</a:t>
+              <a:t>2/29/2008</a:t>
             </a:fld>
             <a:endParaRPr lang="en-US"/>
           </a:p>
@@ -1298,7 +1381,7 @@
             <a:fld id="{1D8BD707-D9CF-40AE-B4C6-C98DA3205C09}" type="datetimeFigureOut">
               <a:rPr lang="en-US" smtClean="0"/>
               <a:pPr/>
-              <a:t>2/22/2008</a:t>
+              <a:t>2/29/2008</a:t>
             </a:fld>
             <a:endParaRPr lang="en-US"/>
           </a:p>
@@ -1475,7 +1558,7 @@
             <a:fld id="{1D8BD707-D9CF-40AE-B4C6-C98DA3205C09}" type="datetimeFigureOut">
               <a:rPr lang="en-US" smtClean="0"/>
               <a:pPr/>
-              <a:t>2/22/2008</a:t>
+              <a:t>2/29/2008</a:t>
             </a:fld>
             <a:endParaRPr lang="en-US"/>
           </a:p>
@@ -1642,7 +1725,7 @@
             <a:fld id="{1D8BD707-D9CF-40AE-B4C6-C98DA3205C09}" type="datetimeFigureOut">
               <a:rPr lang="en-US" smtClean="0"/>
               <a:pPr/>
-              <a:t>2/22/2008</a:t>
+              <a:t>2/29/2008</a:t>
             </a:fld>
             <a:endParaRPr lang="en-US"/>
           </a:p>
@@ -1885,7 +1968,7 @@
             <a:fld id="{1D8BD707-D9CF-40AE-B4C6-C98DA3205C09}" type="datetimeFigureOut">
               <a:rPr lang="en-US" smtClean="0"/>
               <a:pPr/>
-              <a:t>2/22/2008</a:t>
+              <a:t>2/29/2008</a:t>
             </a:fld>
             <a:endParaRPr lang="en-US"/>
           </a:p>
@@ -2170,7 +2253,7 @@
             <a:fld id="{1D8BD707-D9CF-40AE-B4C6-C98DA3205C09}" type="datetimeFigureOut">
               <a:rPr lang="en-US" smtClean="0"/>
               <a:pPr/>
-              <a:t>2/22/2008</a:t>
+              <a:t>2/29/2008</a:t>
             </a:fld>
             <a:endParaRPr lang="en-US"/>
           </a:p>
@@ -2589,7 +2672,7 @@
             <a:fld id="{1D8BD707-D9CF-40AE-B4C6-C98DA3205C09}" type="datetimeFigureOut">
               <a:rPr lang="en-US" smtClean="0"/>
               <a:pPr/>
-              <a:t>2/22/2008</a:t>
+              <a:t>2/29/2008</a:t>
             </a:fld>
             <a:endParaRPr lang="en-US"/>
           </a:p>
@@ -2704,7 +2787,7 @@
             <a:fld id="{1D8BD707-D9CF-40AE-B4C6-C98DA3205C09}" type="datetimeFigureOut">
               <a:rPr lang="en-US" smtClean="0"/>
               <a:pPr/>
-              <a:t>2/22/2008</a:t>
+              <a:t>2/29/2008</a:t>
             </a:fld>
             <a:endParaRPr lang="en-US"/>
           </a:p>
@@ -2796,7 +2879,7 @@
             <a:fld id="{1D8BD707-D9CF-40AE-B4C6-C98DA3205C09}" type="datetimeFigureOut">
               <a:rPr lang="en-US" smtClean="0"/>
               <a:pPr/>
-              <a:t>2/22/2008</a:t>
+              <a:t>2/29/2008</a:t>
             </a:fld>
             <a:endParaRPr lang="en-US"/>
           </a:p>
@@ -3070,7 +3153,7 @@
             <a:fld id="{1D8BD707-D9CF-40AE-B4C6-C98DA3205C09}" type="datetimeFigureOut">
               <a:rPr lang="en-US" smtClean="0"/>
               <a:pPr/>
-              <a:t>2/22/2008</a:t>
+              <a:t>2/29/2008</a:t>
             </a:fld>
             <a:endParaRPr lang="en-US"/>
           </a:p>
@@ -3320,7 +3403,7 @@
             <a:fld id="{1D8BD707-D9CF-40AE-B4C6-C98DA3205C09}" type="datetimeFigureOut">
               <a:rPr lang="en-US" smtClean="0"/>
               <a:pPr/>
-              <a:t>2/22/2008</a:t>
+              <a:t>2/29/2008</a:t>
             </a:fld>
             <a:endParaRPr lang="en-US"/>
           </a:p>
@@ -3530,7 +3613,7 @@
             <a:fld id="{1D8BD707-D9CF-40AE-B4C6-C98DA3205C09}" type="datetimeFigureOut">
               <a:rPr lang="en-US" smtClean="0"/>
               <a:pPr/>
-              <a:t>2/22/2008</a:t>
+              <a:t>2/29/2008</a:t>
             </a:fld>
             <a:endParaRPr lang="en-US"/>
           </a:p>
@@ -4916,6 +4999,181 @@
           <a:xfrm>
             <a:off x="2878392" y="1914832"/>
             <a:ext cx="457200" cy="457200"/>
+          </a:xfrm>
+          <a:prstGeom prst="rect">
+            <a:avLst/>
+          </a:prstGeom>
+          <a:noFill/>
+        </p:spPr>
+      </p:pic>
+    </p:spTree>
+  </p:cSld>
+  <p:clrMapOvr>
+    <a:masterClrMapping/>
+  </p:clrMapOvr>
+</p:sld>
+</file>
+
+<file path=ppt/slides/slide4.xml><?xml version="1.0" encoding="utf-8"?>
+<p:sld xmlns:a="http://schemas.openxmlformats.org/drawingml/2006/main" xmlns:r="http://schemas.openxmlformats.org/officeDocument/2006/relationships" xmlns:p="http://schemas.openxmlformats.org/presentationml/2006/main">
+  <p:cSld>
+    <p:spTree>
+      <p:nvGrpSpPr>
+        <p:cNvPr id="1" name=""/>
+        <p:cNvGrpSpPr/>
+        <p:nvPr/>
+      </p:nvGrpSpPr>
+      <p:grpSpPr>
+        <a:xfrm>
+          <a:off x="0" y="0"/>
+          <a:ext cx="0" cy="0"/>
+          <a:chOff x="0" y="0"/>
+          <a:chExt cx="0" cy="0"/>
+        </a:xfrm>
+      </p:grpSpPr>
+      <p:sp>
+        <p:nvSpPr>
+          <p:cNvPr id="3" name="Title 1"/>
+          <p:cNvSpPr>
+            <a:spLocks noGrp="1"/>
+          </p:cNvSpPr>
+          <p:nvPr>
+            <p:ph type="title"/>
+          </p:nvPr>
+        </p:nvSpPr>
+        <p:spPr>
+          <a:xfrm>
+            <a:off x="457200" y="274638"/>
+            <a:ext cx="8229600" cy="1143000"/>
+          </a:xfrm>
+        </p:spPr>
+        <p:txBody>
+          <a:bodyPr/>
+          <a:lstStyle/>
+          <a:p>
+            <a:r>
+              <a:rPr lang="en-US" altLang="zh-TW" dirty="0" smtClean="0"/>
+              <a:t>Button</a:t>
+            </a:r>
+            <a:endParaRPr lang="zh-TW" altLang="en-US" dirty="0"/>
+          </a:p>
+        </p:txBody>
+      </p:sp>
+      <p:sp>
+        <p:nvSpPr>
+          <p:cNvPr id="4" name="Rectangle 3"/>
+          <p:cNvSpPr/>
+          <p:nvPr/>
+        </p:nvSpPr>
+        <p:spPr>
+          <a:xfrm>
+            <a:off x="2667000" y="2667000"/>
+            <a:ext cx="1524000" cy="533400"/>
+          </a:xfrm>
+          <a:prstGeom prst="rect">
+            <a:avLst/>
+          </a:prstGeom>
+          <a:noFill/>
+          <a:ln>
+            <a:solidFill>
+              <a:srgbClr val="FF0000"/>
+            </a:solidFill>
+          </a:ln>
+        </p:spPr>
+        <p:style>
+          <a:lnRef idx="2">
+            <a:schemeClr val="accent1">
+              <a:shade val="50000"/>
+            </a:schemeClr>
+          </a:lnRef>
+          <a:fillRef idx="1">
+            <a:schemeClr val="accent1"/>
+          </a:fillRef>
+          <a:effectRef idx="0">
+            <a:schemeClr val="accent1"/>
+          </a:effectRef>
+          <a:fontRef idx="minor">
+            <a:schemeClr val="lt1"/>
+          </a:fontRef>
+        </p:style>
+        <p:txBody>
+          <a:bodyPr rtlCol="0" anchor="ctr"/>
+          <a:lstStyle/>
+          <a:p>
+            <a:pPr algn="ctr"/>
+            <a:endParaRPr lang="zh-TW" altLang="en-US"/>
+          </a:p>
+        </p:txBody>
+      </p:sp>
+      <p:sp>
+        <p:nvSpPr>
+          <p:cNvPr id="5" name="Line Callout 1 4"/>
+          <p:cNvSpPr/>
+          <p:nvPr/>
+        </p:nvSpPr>
+        <p:spPr>
+          <a:xfrm>
+            <a:off x="4876800" y="2362200"/>
+            <a:ext cx="1752600" cy="304800"/>
+          </a:xfrm>
+          <a:prstGeom prst="borderCallout1">
+            <a:avLst/>
+          </a:prstGeom>
+        </p:spPr>
+        <p:style>
+          <a:lnRef idx="2">
+            <a:schemeClr val="accent1"/>
+          </a:lnRef>
+          <a:fillRef idx="1">
+            <a:schemeClr val="lt1"/>
+          </a:fillRef>
+          <a:effectRef idx="0">
+            <a:schemeClr val="accent1"/>
+          </a:effectRef>
+          <a:fontRef idx="minor">
+            <a:schemeClr val="dk1"/>
+          </a:fontRef>
+        </p:style>
+        <p:txBody>
+          <a:bodyPr rtlCol="0" anchor="ctr"/>
+          <a:lstStyle/>
+          <a:p>
+            <a:pPr algn="ctr"/>
+            <a:r>
+              <a:rPr lang="en-US" altLang="zh-TW" dirty="0" smtClean="0">
+                <a:solidFill>
+                  <a:srgbClr val="0070C0"/>
+                </a:solidFill>
+              </a:rPr>
+              <a:t>button</a:t>
+            </a:r>
+            <a:endParaRPr lang="zh-TW" altLang="en-US" dirty="0">
+              <a:solidFill>
+                <a:srgbClr val="0070C0"/>
+              </a:solidFill>
+            </a:endParaRPr>
+          </a:p>
+        </p:txBody>
+      </p:sp>
+      <p:pic>
+        <p:nvPicPr>
+          <p:cNvPr id="1026" name="Picture 2" descr="C:\Documents and Settings\robbiecheng\Desktop\button.jpg"/>
+          <p:cNvPicPr>
+            <a:picLocks noChangeAspect="1" noChangeArrowheads="1"/>
+          </p:cNvPicPr>
+          <p:nvPr/>
+        </p:nvPicPr>
+        <p:blipFill>
+          <a:blip r:embed="rId3"/>
+          <a:srcRect/>
+          <a:stretch>
+            <a:fillRect/>
+          </a:stretch>
+        </p:blipFill>
+        <p:spPr bwMode="auto">
+          <a:xfrm>
+            <a:off x="2743200" y="2743200"/>
+            <a:ext cx="1411111" cy="381000"/>
           </a:xfrm>
           <a:prstGeom prst="rect">
             <a:avLst/>
